--- a/Diagramme/WebApp.pptx
+++ b/Diagramme/WebApp.pptx
@@ -7,6 +7,7 @@
   <p:sldIdLst>
     <p:sldId id="256" r:id="rId2"/>
     <p:sldId id="257" r:id="rId3"/>
+    <p:sldId id="258" r:id="rId4"/>
   </p:sldIdLst>
   <p:sldSz cx="9144000" cy="6858000" type="screen4x3"/>
   <p:notesSz cx="6858000" cy="9144000"/>
@@ -289,7 +290,7 @@
           <a:p>
             <a:fld id="{1BA50D42-C9CD-4801-B293-61D1F53EC57E}" type="datetimeFigureOut">
               <a:rPr lang="de-DE" smtClean="0"/>
-              <a:t>14.03.2017</a:t>
+              <a:t>15.03.2017</a:t>
             </a:fld>
             <a:endParaRPr lang="de-DE"/>
           </a:p>
@@ -454,7 +455,7 @@
           <a:p>
             <a:fld id="{1BA50D42-C9CD-4801-B293-61D1F53EC57E}" type="datetimeFigureOut">
               <a:rPr lang="de-DE" smtClean="0"/>
-              <a:t>14.03.2017</a:t>
+              <a:t>15.03.2017</a:t>
             </a:fld>
             <a:endParaRPr lang="de-DE"/>
           </a:p>
@@ -629,7 +630,7 @@
           <a:p>
             <a:fld id="{1BA50D42-C9CD-4801-B293-61D1F53EC57E}" type="datetimeFigureOut">
               <a:rPr lang="de-DE" smtClean="0"/>
-              <a:t>14.03.2017</a:t>
+              <a:t>15.03.2017</a:t>
             </a:fld>
             <a:endParaRPr lang="de-DE"/>
           </a:p>
@@ -794,7 +795,7 @@
           <a:p>
             <a:fld id="{1BA50D42-C9CD-4801-B293-61D1F53EC57E}" type="datetimeFigureOut">
               <a:rPr lang="de-DE" smtClean="0"/>
-              <a:t>14.03.2017</a:t>
+              <a:t>15.03.2017</a:t>
             </a:fld>
             <a:endParaRPr lang="de-DE"/>
           </a:p>
@@ -1035,7 +1036,7 @@
           <a:p>
             <a:fld id="{1BA50D42-C9CD-4801-B293-61D1F53EC57E}" type="datetimeFigureOut">
               <a:rPr lang="de-DE" smtClean="0"/>
-              <a:t>14.03.2017</a:t>
+              <a:t>15.03.2017</a:t>
             </a:fld>
             <a:endParaRPr lang="de-DE"/>
           </a:p>
@@ -1318,7 +1319,7 @@
           <a:p>
             <a:fld id="{1BA50D42-C9CD-4801-B293-61D1F53EC57E}" type="datetimeFigureOut">
               <a:rPr lang="de-DE" smtClean="0"/>
-              <a:t>14.03.2017</a:t>
+              <a:t>15.03.2017</a:t>
             </a:fld>
             <a:endParaRPr lang="de-DE"/>
           </a:p>
@@ -1735,7 +1736,7 @@
           <a:p>
             <a:fld id="{1BA50D42-C9CD-4801-B293-61D1F53EC57E}" type="datetimeFigureOut">
               <a:rPr lang="de-DE" smtClean="0"/>
-              <a:t>14.03.2017</a:t>
+              <a:t>15.03.2017</a:t>
             </a:fld>
             <a:endParaRPr lang="de-DE"/>
           </a:p>
@@ -1848,7 +1849,7 @@
           <a:p>
             <a:fld id="{1BA50D42-C9CD-4801-B293-61D1F53EC57E}" type="datetimeFigureOut">
               <a:rPr lang="de-DE" smtClean="0"/>
-              <a:t>14.03.2017</a:t>
+              <a:t>15.03.2017</a:t>
             </a:fld>
             <a:endParaRPr lang="de-DE"/>
           </a:p>
@@ -1938,7 +1939,7 @@
           <a:p>
             <a:fld id="{1BA50D42-C9CD-4801-B293-61D1F53EC57E}" type="datetimeFigureOut">
               <a:rPr lang="de-DE" smtClean="0"/>
-              <a:t>14.03.2017</a:t>
+              <a:t>15.03.2017</a:t>
             </a:fld>
             <a:endParaRPr lang="de-DE"/>
           </a:p>
@@ -2210,7 +2211,7 @@
           <a:p>
             <a:fld id="{1BA50D42-C9CD-4801-B293-61D1F53EC57E}" type="datetimeFigureOut">
               <a:rPr lang="de-DE" smtClean="0"/>
-              <a:t>14.03.2017</a:t>
+              <a:t>15.03.2017</a:t>
             </a:fld>
             <a:endParaRPr lang="de-DE"/>
           </a:p>
@@ -2458,7 +2459,7 @@
           <a:p>
             <a:fld id="{1BA50D42-C9CD-4801-B293-61D1F53EC57E}" type="datetimeFigureOut">
               <a:rPr lang="de-DE" smtClean="0"/>
-              <a:t>14.03.2017</a:t>
+              <a:t>15.03.2017</a:t>
             </a:fld>
             <a:endParaRPr lang="de-DE"/>
           </a:p>
@@ -2666,7 +2667,7 @@
           <a:p>
             <a:fld id="{1BA50D42-C9CD-4801-B293-61D1F53EC57E}" type="datetimeFigureOut">
               <a:rPr lang="de-DE" smtClean="0"/>
-              <a:t>14.03.2017</a:t>
+              <a:t>15.03.2017</a:t>
             </a:fld>
             <a:endParaRPr lang="de-DE"/>
           </a:p>
@@ -3860,7 +3861,7 @@
         </p:nvSpPr>
         <p:spPr>
           <a:xfrm>
-            <a:off x="5741081" y="1914914"/>
+            <a:off x="5627138" y="2099580"/>
             <a:ext cx="1609158" cy="369332"/>
           </a:xfrm>
           <a:prstGeom prst="rect">
@@ -4129,36 +4130,6 @@
       </p:sp>
       <p:sp>
         <p:nvSpPr>
-          <p:cNvPr id="20" name="Textfeld 19"/>
-          <p:cNvSpPr txBox="1"/>
-          <p:nvPr/>
-        </p:nvSpPr>
-        <p:spPr>
-          <a:xfrm>
-            <a:off x="6004225" y="3294276"/>
-            <a:ext cx="2173737" cy="369332"/>
-          </a:xfrm>
-          <a:prstGeom prst="rect">
-            <a:avLst/>
-          </a:prstGeom>
-          <a:noFill/>
-        </p:spPr>
-        <p:txBody>
-          <a:bodyPr wrap="none" rtlCol="0">
-            <a:spAutoFit/>
-          </a:bodyPr>
-          <a:lstStyle/>
-          <a:p>
-            <a:r>
-              <a:rPr lang="de-DE" smtClean="0"/>
-              <a:t>WebApp (Server-Teil)</a:t>
-            </a:r>
-            <a:endParaRPr lang="de-DE"/>
-          </a:p>
-        </p:txBody>
-      </p:sp>
-      <p:sp>
-        <p:nvSpPr>
           <p:cNvPr id="3" name="Flussdiagramm: Mehrere Dokumente 2"/>
           <p:cNvSpPr/>
           <p:nvPr/>
@@ -4204,10 +4175,155 @@
           </a:p>
         </p:txBody>
       </p:sp>
+      <p:sp>
+        <p:nvSpPr>
+          <p:cNvPr id="20" name="Textfeld 19"/>
+          <p:cNvSpPr txBox="1"/>
+          <p:nvPr/>
+        </p:nvSpPr>
+        <p:spPr>
+          <a:xfrm>
+            <a:off x="6300192" y="3531982"/>
+            <a:ext cx="2173737" cy="369332"/>
+          </a:xfrm>
+          <a:prstGeom prst="rect">
+            <a:avLst/>
+          </a:prstGeom>
+          <a:noFill/>
+        </p:spPr>
+        <p:txBody>
+          <a:bodyPr wrap="none" rtlCol="0">
+            <a:spAutoFit/>
+          </a:bodyPr>
+          <a:lstStyle/>
+          <a:p>
+            <a:r>
+              <a:rPr lang="de-DE" smtClean="0"/>
+              <a:t>WebApp (Server-Teil)</a:t>
+            </a:r>
+            <a:endParaRPr lang="de-DE"/>
+          </a:p>
+        </p:txBody>
+      </p:sp>
     </p:spTree>
     <p:extLst>
       <p:ext uri="{BB962C8B-B14F-4D97-AF65-F5344CB8AC3E}">
         <p14:creationId xmlns:p14="http://schemas.microsoft.com/office/powerpoint/2010/main" val="332583040"/>
+      </p:ext>
+    </p:extLst>
+  </p:cSld>
+  <p:clrMapOvr>
+    <a:masterClrMapping/>
+  </p:clrMapOvr>
+</p:sld>
+</file>
+
+<file path=ppt/slides/slide3.xml><?xml version="1.0" encoding="utf-8"?>
+<p:sld xmlns:a="http://schemas.openxmlformats.org/drawingml/2006/main" xmlns:r="http://schemas.openxmlformats.org/officeDocument/2006/relationships" xmlns:p="http://schemas.openxmlformats.org/presentationml/2006/main">
+  <p:cSld>
+    <p:spTree>
+      <p:nvGrpSpPr>
+        <p:cNvPr id="1" name=""/>
+        <p:cNvGrpSpPr/>
+        <p:nvPr/>
+      </p:nvGrpSpPr>
+      <p:grpSpPr>
+        <a:xfrm>
+          <a:off x="0" y="0"/>
+          <a:ext cx="0" cy="0"/>
+          <a:chOff x="0" y="0"/>
+          <a:chExt cx="0" cy="0"/>
+        </a:xfrm>
+      </p:grpSpPr>
+      <p:sp>
+        <p:nvSpPr>
+          <p:cNvPr id="4" name="Textfeld 3"/>
+          <p:cNvSpPr txBox="1"/>
+          <p:nvPr/>
+        </p:nvSpPr>
+        <p:spPr>
+          <a:xfrm>
+            <a:off x="611560" y="1124744"/>
+            <a:ext cx="7527510" cy="646331"/>
+          </a:xfrm>
+          <a:prstGeom prst="rect">
+            <a:avLst/>
+          </a:prstGeom>
+          <a:noFill/>
+        </p:spPr>
+        <p:txBody>
+          <a:bodyPr wrap="none" rtlCol="0">
+            <a:spAutoFit/>
+          </a:bodyPr>
+          <a:lstStyle/>
+          <a:p>
+            <a:r>
+              <a:rPr lang="de-DE">
+                <a:hlinkClick r:id="rId2"/>
+              </a:rPr>
+              <a:t>http</a:t>
+            </a:r>
+            <a:r>
+              <a:rPr lang="de-DE">
+                <a:hlinkClick r:id="rId2"/>
+              </a:rPr>
+              <a:t>://</a:t>
+            </a:r>
+            <a:r>
+              <a:rPr lang="de-DE" smtClean="0">
+                <a:hlinkClick r:id="rId2"/>
+              </a:rPr>
+              <a:t>www.oracle.com/technetwork/java/javaee/tech/index-jsp-142185.html</a:t>
+            </a:r>
+            <a:endParaRPr lang="de-DE" smtClean="0"/>
+          </a:p>
+          <a:p>
+            <a:endParaRPr lang="de-DE"/>
+          </a:p>
+        </p:txBody>
+      </p:sp>
+      <p:sp>
+        <p:nvSpPr>
+          <p:cNvPr id="5" name="Textfeld 4"/>
+          <p:cNvSpPr txBox="1"/>
+          <p:nvPr/>
+        </p:nvSpPr>
+        <p:spPr>
+          <a:xfrm>
+            <a:off x="467544" y="391994"/>
+            <a:ext cx="2318905" cy="369332"/>
+          </a:xfrm>
+          <a:prstGeom prst="rect">
+            <a:avLst/>
+          </a:prstGeom>
+          <a:noFill/>
+        </p:spPr>
+        <p:txBody>
+          <a:bodyPr wrap="none" rtlCol="0">
+            <a:spAutoFit/>
+          </a:bodyPr>
+          <a:lstStyle/>
+          <a:p>
+            <a:r>
+              <a:rPr lang="de-DE" b="1"/>
+              <a:t>Java EE </a:t>
+            </a:r>
+            <a:r>
+              <a:rPr lang="de-DE" b="1"/>
+              <a:t>7 </a:t>
+            </a:r>
+            <a:r>
+              <a:rPr lang="de-DE" b="1" smtClean="0"/>
+              <a:t>Technologies</a:t>
+            </a:r>
+            <a:endParaRPr lang="de-DE" b="1"/>
+          </a:p>
+        </p:txBody>
+      </p:sp>
+    </p:spTree>
+    <p:extLst>
+      <p:ext uri="{BB962C8B-B14F-4D97-AF65-F5344CB8AC3E}">
+        <p14:creationId xmlns:p14="http://schemas.microsoft.com/office/powerpoint/2010/main" val="550271399"/>
       </p:ext>
     </p:extLst>
   </p:cSld>
